--- a/Prezentacja_RL_Radziszewski_Zernaczuk.pptx
+++ b/Prezentacja_RL_Radziszewski_Zernaczuk.pptx
@@ -267,7 +267,7 @@
       <p15:sldGuideLst xmlns:p15="http://schemas.microsoft.com/office/powerpoint/2012/main"/>
     </p:ext>
     <p:ext uri="http://customooxmlschemas.google.com/">
-      <go:slidesCustomData xmlns:go="http://customooxmlschemas.google.com/" xmlns:ahyp="http://schemas.microsoft.com/office/drawing/2018/hyperlinkcolor" xmlns:p15="http://schemas.microsoft.com/office/powerpoint/2012/main" xmlns:p14="http://schemas.microsoft.com/office/powerpoint/2010/main" xmlns:com="http://schemas.openxmlformats.org/drawingml/2006/compatibility" xmlns:pvml="urn:schemas-microsoft-com:office:powerpoint" xmlns:v="urn:schemas-microsoft-com:vml" xmlns:o="urn:schemas-microsoft-com:office:office" xmlns:dgm="http://schemas.openxmlformats.org/drawingml/2006/diagram" xmlns:c="http://schemas.openxmlformats.org/drawingml/2006/chart" xmlns:mv="urn:schemas-microsoft-com:mac:vml" xmlns:mc="http://schemas.openxmlformats.org/markup-compatibility/2006" xmlns="" r:id="rId25" roundtripDataSignature="AMtx7mgMqYXPG3odHR07W3JPyjT6FpwEZg=="/>
+      <go:slidesCustomData xmlns="" xmlns:mc="http://schemas.openxmlformats.org/markup-compatibility/2006" xmlns:mv="urn:schemas-microsoft-com:mac:vml" xmlns:c="http://schemas.openxmlformats.org/drawingml/2006/chart" xmlns:dgm="http://schemas.openxmlformats.org/drawingml/2006/diagram" xmlns:o="urn:schemas-microsoft-com:office:office" xmlns:v="urn:schemas-microsoft-com:vml" xmlns:pvml="urn:schemas-microsoft-com:office:powerpoint" xmlns:com="http://schemas.openxmlformats.org/drawingml/2006/compatibility" xmlns:p14="http://schemas.microsoft.com/office/powerpoint/2010/main" xmlns:p15="http://schemas.microsoft.com/office/powerpoint/2012/main" xmlns:ahyp="http://schemas.microsoft.com/office/drawing/2018/hyperlinkcolor" xmlns:go="http://customooxmlschemas.google.com/" r:id="rId25" roundtripDataSignature="AMtx7mgMqYXPG3odHR07W3JPyjT6FpwEZg=="/>
     </p:ext>
   </p:extLst>
 </p:presentation>
@@ -29070,11 +29070,18 @@
               <a:buChar char="§"/>
             </a:pPr>
             <a:r>
+              <a:rPr lang="en-US" sz="1800" b="1" dirty="0">
+                <a:latin typeface="Calibri" panose="020F0502020204030204" pitchFamily="34" charset="0"/>
+                <a:cs typeface="Calibri" panose="020F0502020204030204" pitchFamily="34" charset="0"/>
+              </a:rPr>
+              <a:t>r0</a:t>
+            </a:r>
+            <a:r>
               <a:rPr lang="en-US" sz="1800" dirty="0">
                 <a:latin typeface="Calibri" panose="020F0502020204030204" pitchFamily="34" charset="0"/>
                 <a:cs typeface="Calibri" panose="020F0502020204030204" pitchFamily="34" charset="0"/>
               </a:rPr>
-              <a:t>r0: alpha=0.02, gamma=0.95, </a:t>
+              <a:t>: alpha=0.02, gamma=0.95, </a:t>
             </a:r>
             <a:r>
               <a:rPr lang="en-US" sz="1800" dirty="0" err="1">
@@ -29114,11 +29121,18 @@
               <a:buChar char="§"/>
             </a:pPr>
             <a:r>
+              <a:rPr lang="en-US" sz="1800" b="1" dirty="0">
+                <a:latin typeface="Calibri" panose="020F0502020204030204" pitchFamily="34" charset="0"/>
+                <a:cs typeface="Calibri" panose="020F0502020204030204" pitchFamily="34" charset="0"/>
+              </a:rPr>
+              <a:t>r1</a:t>
+            </a:r>
+            <a:r>
               <a:rPr lang="en-US" sz="1800" dirty="0">
                 <a:latin typeface="Calibri" panose="020F0502020204030204" pitchFamily="34" charset="0"/>
                 <a:cs typeface="Calibri" panose="020F0502020204030204" pitchFamily="34" charset="0"/>
               </a:rPr>
-              <a:t>r1: alpha=0.02, gamma=1.00, </a:t>
+              <a:t>: alpha=0.02, gamma=1.00, </a:t>
             </a:r>
             <a:r>
               <a:rPr lang="en-US" sz="1800" dirty="0" err="1">
@@ -29158,11 +29172,18 @@
               <a:buChar char="§"/>
             </a:pPr>
             <a:r>
+              <a:rPr lang="en-US" sz="1800" b="1" dirty="0">
+                <a:latin typeface="Calibri" panose="020F0502020204030204" pitchFamily="34" charset="0"/>
+                <a:cs typeface="Calibri" panose="020F0502020204030204" pitchFamily="34" charset="0"/>
+              </a:rPr>
+              <a:t>r2</a:t>
+            </a:r>
+            <a:r>
               <a:rPr lang="en-US" sz="1800" dirty="0">
                 <a:latin typeface="Calibri" panose="020F0502020204030204" pitchFamily="34" charset="0"/>
                 <a:cs typeface="Calibri" panose="020F0502020204030204" pitchFamily="34" charset="0"/>
               </a:rPr>
-              <a:t>r2: alpha=0.02, gamma=0.95, </a:t>
+              <a:t>: alpha=0.02, gamma=0.95, </a:t>
             </a:r>
             <a:r>
               <a:rPr lang="en-US" sz="1800" dirty="0" err="1">
@@ -29218,11 +29239,18 @@
               <a:buChar char="§"/>
             </a:pPr>
             <a:r>
+              <a:rPr lang="en-US" sz="1800" b="1" dirty="0">
+                <a:latin typeface="Calibri" panose="020F0502020204030204" pitchFamily="34" charset="0"/>
+                <a:cs typeface="Calibri" panose="020F0502020204030204" pitchFamily="34" charset="0"/>
+              </a:rPr>
+              <a:t>r0</a:t>
+            </a:r>
+            <a:r>
               <a:rPr lang="en-US" sz="1800" dirty="0">
                 <a:latin typeface="Calibri" panose="020F0502020204030204" pitchFamily="34" charset="0"/>
                 <a:cs typeface="Calibri" panose="020F0502020204030204" pitchFamily="34" charset="0"/>
               </a:rPr>
-              <a:t>r0: </a:t>
+              <a:t>: </a:t>
             </a:r>
             <a:r>
               <a:rPr lang="en-US" sz="1800" dirty="0" err="1">
@@ -29262,11 +29290,18 @@
               <a:buChar char="§"/>
             </a:pPr>
             <a:r>
+              <a:rPr lang="en-US" sz="1800" b="1" dirty="0">
+                <a:latin typeface="Calibri" panose="020F0502020204030204" pitchFamily="34" charset="0"/>
+                <a:cs typeface="Calibri" panose="020F0502020204030204" pitchFamily="34" charset="0"/>
+              </a:rPr>
+              <a:t>r1</a:t>
+            </a:r>
+            <a:r>
               <a:rPr lang="en-US" sz="1800" dirty="0">
                 <a:latin typeface="Calibri" panose="020F0502020204030204" pitchFamily="34" charset="0"/>
                 <a:cs typeface="Calibri" panose="020F0502020204030204" pitchFamily="34" charset="0"/>
               </a:rPr>
-              <a:t>r1: </a:t>
+              <a:t>: </a:t>
             </a:r>
             <a:r>
               <a:rPr lang="en-US" sz="1800" dirty="0" err="1">
@@ -29306,11 +29341,18 @@
               <a:buChar char="§"/>
             </a:pPr>
             <a:r>
+              <a:rPr lang="en-US" sz="1800" b="1" dirty="0">
+                <a:latin typeface="Calibri" panose="020F0502020204030204" pitchFamily="34" charset="0"/>
+                <a:cs typeface="Calibri" panose="020F0502020204030204" pitchFamily="34" charset="0"/>
+              </a:rPr>
+              <a:t>r2</a:t>
+            </a:r>
+            <a:r>
               <a:rPr lang="en-US" sz="1800" dirty="0">
                 <a:latin typeface="Calibri" panose="020F0502020204030204" pitchFamily="34" charset="0"/>
                 <a:cs typeface="Calibri" panose="020F0502020204030204" pitchFamily="34" charset="0"/>
               </a:rPr>
-              <a:t>r2: </a:t>
+              <a:t>: </a:t>
             </a:r>
             <a:r>
               <a:rPr lang="en-US" sz="1800" dirty="0" err="1">
@@ -37084,7 +37126,7 @@
                   <a:schemeClr val="dk1"/>
                 </a:solidFill>
               </a:rPr>
-              <a:t>cont’d</a:t>
+              <a:t>continuation</a:t>
             </a:r>
             <a:r>
               <a:rPr lang="pl-PL" sz="2400" b="1" dirty="0">
@@ -39554,7 +39596,7 @@
               <a:buChar char="•"/>
             </a:pPr>
             <a:r>
-              <a:rPr lang="en-US" sz="1800" dirty="0" err="1">
+              <a:rPr lang="en-US" sz="1800" b="1" dirty="0" err="1">
                 <a:latin typeface="Calibri" panose="020F0502020204030204" pitchFamily="34" charset="0"/>
                 <a:cs typeface="Calibri" panose="020F0502020204030204" pitchFamily="34" charset="0"/>
               </a:rPr>
@@ -39588,11 +39630,18 @@
               <a:buChar char="•"/>
             </a:pPr>
             <a:r>
+              <a:rPr lang="en-US" sz="1800" b="1" dirty="0">
+                <a:latin typeface="Calibri" panose="020F0502020204030204" pitchFamily="34" charset="0"/>
+                <a:cs typeface="Calibri" panose="020F0502020204030204" pitchFamily="34" charset="0"/>
+              </a:rPr>
+              <a:t>A2C‑GAE</a:t>
+            </a:r>
+            <a:r>
               <a:rPr lang="en-US" sz="1800" dirty="0">
                 <a:latin typeface="Calibri" panose="020F0502020204030204" pitchFamily="34" charset="0"/>
                 <a:cs typeface="Calibri" panose="020F0502020204030204" pitchFamily="34" charset="0"/>
               </a:rPr>
-              <a:t>A2C‑GAE: neural actor‑critic trained from rollouts; uses value estimates and advantages for stable policy updates.</a:t>
+              <a:t>: neural actor‑critic trained from rollouts; uses value estimates and advantages for stable policy updates.</a:t>
             </a:r>
           </a:p>
           <a:p>
@@ -40606,8 +40655,8 @@
         </p:nvSpPr>
         <p:spPr>
           <a:xfrm>
-            <a:off x="1583474" y="1314363"/>
-            <a:ext cx="6784670" cy="4662775"/>
+            <a:off x="1583473" y="1314363"/>
+            <a:ext cx="7141269" cy="3416279"/>
           </a:xfrm>
           <a:prstGeom prst="rect">
             <a:avLst/>
@@ -40649,7 +40698,7 @@
                 <a:latin typeface="Calibri" panose="020F0502020204030204" pitchFamily="34" charset="0"/>
                 <a:cs typeface="Calibri" panose="020F0502020204030204" pitchFamily="34" charset="0"/>
               </a:rPr>
-              <a:t>=43, hidden=128×128, actions=2) has ~22,531 trainable parameters.</a:t>
+              <a:t>=43, hidden=128×128, actions=2) has ~22,531 trainable parameters.</a:t>
             </a:r>
           </a:p>
           <a:p>
@@ -40727,22 +40776,6 @@
               <a:latin typeface="Calibri" panose="020F0502020204030204" pitchFamily="34" charset="0"/>
               <a:cs typeface="Calibri" panose="020F0502020204030204" pitchFamily="34" charset="0"/>
             </a:endParaRPr>
-          </a:p>
-          <a:p>
-            <a:pPr marL="285750" indent="-285750">
-              <a:lnSpc>
-                <a:spcPct val="150000"/>
-              </a:lnSpc>
-              <a:buFont typeface="Arial" panose="020B0604020202020204" pitchFamily="34" charset="0"/>
-              <a:buChar char="•"/>
-            </a:pPr>
-            <a:r>
-              <a:rPr lang="en-US" sz="1800" dirty="0">
-                <a:latin typeface="Calibri" panose="020F0502020204030204" pitchFamily="34" charset="0"/>
-                <a:cs typeface="Calibri" panose="020F0502020204030204" pitchFamily="34" charset="0"/>
-              </a:rPr>
-              <a:t>This highlights the contrast: compact neural function approximation vs exact tabular values.</a:t>
-            </a:r>
           </a:p>
         </p:txBody>
       </p:sp>
